--- a/GODOT E-Portfolio.pptx
+++ b/GODOT E-Portfolio.pptx
@@ -7580,8 +7580,12 @@
           <a:lstStyle/>
           <a:p>
             <a:r>
+              <a:rPr lang="de-DE"/>
+              <a:t>Demonstration </a:t>
+            </a:r>
+            <a:r>
               <a:rPr lang="de-DE" dirty="0"/>
-              <a:t>Practice time </a:t>
+              <a:t>time </a:t>
             </a:r>
             <a:r>
               <a:rPr lang="de-DE" dirty="0">

--- a/GODOT E-Portfolio.pptx
+++ b/GODOT E-Portfolio.pptx
@@ -6937,8 +6937,8 @@
           </a:p>
           <a:p>
             <a:r>
-              <a:rPr lang="de-DE" sz="2400" dirty="0" err="1"/>
-              <a:t>Intehritance</a:t>
+              <a:rPr lang="de-DE" sz="2400"/>
+              <a:t>inheritance</a:t>
             </a:r>
             <a:r>
               <a:rPr lang="de-DE" sz="2400" dirty="0"/>
